--- a/Sistemas Operacionais de Redes.pptx
+++ b/Sistemas Operacionais de Redes.pptx
@@ -32655,16 +32655,7 @@
                 <a:ea typeface="Calibri" panose="020F0502020204030204" pitchFamily="34" charset="0"/>
                 <a:cs typeface="Arial" panose="020B0604020202020204" pitchFamily="34" charset="0"/>
               </a:rPr>
-              <a:t>Redes de Computadores e a Internet: uma abordagem top-</a:t>
-            </a:r>
-            <a:r>
-              <a:rPr lang="pt-BR" sz="2200" b="1" dirty="0" err="1">
-                <a:effectLst/>
-                <a:latin typeface="Arial" panose="020B0604020202020204" pitchFamily="34" charset="0"/>
-                <a:ea typeface="Calibri" panose="020F0502020204030204" pitchFamily="34" charset="0"/>
-                <a:cs typeface="Arial" panose="020B0604020202020204" pitchFamily="34" charset="0"/>
-              </a:rPr>
-              <a:t>down</a:t>
+              <a:t>Redes de Computadores e a Internet:</a:t>
             </a:r>
             <a:r>
               <a:rPr lang="pt-BR" sz="2200" dirty="0">
@@ -32673,7 +32664,25 @@
                 <a:ea typeface="Calibri" panose="020F0502020204030204" pitchFamily="34" charset="0"/>
                 <a:cs typeface="Arial" panose="020B0604020202020204" pitchFamily="34" charset="0"/>
               </a:rPr>
-              <a:t>. 5ª ed. São Paulo: Pearson, 2010. </a:t>
+              <a:t> uma abordagem top-</a:t>
+            </a:r>
+            <a:r>
+              <a:rPr lang="pt-BR" sz="2200" dirty="0" err="1">
+                <a:effectLst/>
+                <a:latin typeface="Arial" panose="020B0604020202020204" pitchFamily="34" charset="0"/>
+                <a:ea typeface="Calibri" panose="020F0502020204030204" pitchFamily="34" charset="0"/>
+                <a:cs typeface="Arial" panose="020B0604020202020204" pitchFamily="34" charset="0"/>
+              </a:rPr>
+              <a:t>down</a:t>
+            </a:r>
+            <a:r>
+              <a:rPr lang="pt-BR" sz="2200" dirty="0">
+                <a:effectLst/>
+                <a:latin typeface="Arial" panose="020B0604020202020204" pitchFamily="34" charset="0"/>
+                <a:ea typeface="Calibri" panose="020F0502020204030204" pitchFamily="34" charset="0"/>
+                <a:cs typeface="Arial" panose="020B0604020202020204" pitchFamily="34" charset="0"/>
+              </a:rPr>
+              <a:t>. 5ª ed., São Paulo: Pearson, 2010. </a:t>
             </a:r>
           </a:p>
           <a:p>
@@ -32701,7 +32710,7 @@
                 <a:ea typeface="Calibri" panose="020F0502020204030204" pitchFamily="34" charset="0"/>
                 <a:cs typeface="Arial" panose="020B0604020202020204" pitchFamily="34" charset="0"/>
               </a:rPr>
-              <a:t>Sistemas Operacionais Modernos.</a:t>
+              <a:t>Sistemas Operacionais Modernos</a:t>
             </a:r>
             <a:r>
               <a:rPr lang="pt-BR" sz="2200" dirty="0">
@@ -32710,7 +32719,7 @@
                 <a:ea typeface="Calibri" panose="020F0502020204030204" pitchFamily="34" charset="0"/>
                 <a:cs typeface="Arial" panose="020B0604020202020204" pitchFamily="34" charset="0"/>
               </a:rPr>
-              <a:t> 2ª edição. Pearson – Prentice-Hall, 2003.</a:t>
+              <a:t>. 2ª ed., Pearson Prentice-Hall, 2003.</a:t>
             </a:r>
           </a:p>
           <a:p>
@@ -32747,7 +32756,7 @@
                 <a:ea typeface="Calibri" panose="020F0502020204030204" pitchFamily="34" charset="0"/>
                 <a:cs typeface="Arial" panose="020B0604020202020204" pitchFamily="34" charset="0"/>
               </a:rPr>
-              <a:t>. 9ª edição: LTC, 2015</a:t>
+              <a:t>. 9ª ed., LTC, 2015</a:t>
             </a:r>
           </a:p>
           <a:p>
@@ -33475,7 +33484,7 @@
         </p:nvSpPr>
         <p:spPr>
           <a:xfrm>
-            <a:off x="3492683" y="631002"/>
+            <a:off x="3492682" y="207851"/>
             <a:ext cx="5206634" cy="1325563"/>
           </a:xfrm>
         </p:spPr>
@@ -33686,6 +33695,45 @@
           </a:p>
         </p:txBody>
       </p:sp>
+      <p:pic>
+        <p:nvPicPr>
+          <p:cNvPr id="6" name="Imagem 5">
+            <a:extLst>
+              <a:ext uri="{FF2B5EF4-FFF2-40B4-BE49-F238E27FC236}">
+                <a16:creationId xmlns:a16="http://schemas.microsoft.com/office/drawing/2014/main" id="{EE53236E-94DC-4666-8F1E-A0DC5BDE01D2}"/>
+              </a:ext>
+            </a:extLst>
+          </p:cNvPr>
+          <p:cNvPicPr/>
+          <p:nvPr/>
+        </p:nvPicPr>
+        <p:blipFill>
+          <a:blip r:embed="rId3" cstate="print">
+            <a:extLst>
+              <a:ext uri="{28A0092B-C50C-407E-A947-70E740481C1C}">
+                <a14:useLocalDpi xmlns:a14="http://schemas.microsoft.com/office/drawing/2010/main" val="0"/>
+              </a:ext>
+            </a:extLst>
+          </a:blip>
+          <a:srcRect/>
+          <a:stretch>
+            <a:fillRect/>
+          </a:stretch>
+        </p:blipFill>
+        <p:spPr bwMode="auto">
+          <a:xfrm>
+            <a:off x="4121538" y="1256490"/>
+            <a:ext cx="3948924" cy="3948924"/>
+          </a:xfrm>
+          <a:prstGeom prst="rect">
+            <a:avLst/>
+          </a:prstGeom>
+          <a:noFill/>
+          <a:ln>
+            <a:noFill/>
+          </a:ln>
+        </p:spPr>
+      </p:pic>
     </p:spTree>
     <p:extLst>
       <p:ext uri="{BB962C8B-B14F-4D97-AF65-F5344CB8AC3E}">
